--- a/slides.pptx
+++ b/slides.pptx
@@ -4567,7 +4567,7 @@
       </p:sp>
       <p:pic>
         <p:nvPicPr>
-          <p:cNvPr id="2135868971" name=""/>
+          <p:cNvPr id="2128143404" name=""/>
           <p:cNvPicPr>
             <a:picLocks noChangeAspect="1"/>
           </p:cNvPicPr>
@@ -4578,9 +4578,9 @@
           <a:stretch/>
         </p:blipFill>
         <p:spPr bwMode="auto">
-          <a:xfrm flipH="0" flipV="0">
-            <a:off x="838198" y="2806922"/>
-            <a:ext cx="10515600" cy="2388744"/>
+          <a:xfrm>
+            <a:off x="1662112" y="3069166"/>
+            <a:ext cx="8867774" cy="1971675"/>
           </a:xfrm>
           <a:prstGeom prst="rect">
             <a:avLst/>
@@ -4682,7 +4682,7 @@
         </p:blipFill>
         <p:spPr bwMode="auto">
           <a:xfrm flipH="0" flipV="0">
-            <a:off x="4798121" y="1550217"/>
+            <a:off x="4798120" y="1550217"/>
             <a:ext cx="2595757" cy="4902152"/>
           </a:xfrm>
           <a:prstGeom prst="rect">
@@ -5163,7 +5163,7 @@
         <p:spPr bwMode="auto">
           <a:xfrm flipH="0" flipV="0">
             <a:off x="6946515" y="26169"/>
-            <a:ext cx="5206645" cy="6805660"/>
+            <a:ext cx="5206644" cy="6805660"/>
           </a:xfrm>
           <a:prstGeom prst="rect">
             <a:avLst/>
@@ -5287,7 +5287,7 @@
         </p:blipFill>
         <p:spPr bwMode="auto">
           <a:xfrm flipH="0" flipV="0">
-            <a:off x="7149252" y="86590"/>
+            <a:off x="7149251" y="86590"/>
             <a:ext cx="4973110" cy="6716423"/>
           </a:xfrm>
           <a:prstGeom prst="rect">
